--- a/ACS560 Requirements Presentation.pptx
+++ b/ACS560 Requirements Presentation.pptx
@@ -4444,7 +4444,7 @@
         <p:spPr/>
         <p:txBody>
           <a:bodyPr>
-            <a:normAutofit lnSpcReduction="10000"/>
+            <a:normAutofit fontScale="92500"/>
           </a:bodyPr>
           <a:lstStyle/>
           <a:p>
@@ -4476,6 +4476,11 @@
               <a:rPr lang="en-US" dirty="0"/>
               <a:t> and be written in Objective-C </a:t>
             </a:r>
+            <a:r>
+              <a:rPr lang="en-US" dirty="0" smtClean="0"/>
+              <a:t>or a bootstrapped language on top of Objective-C</a:t>
+            </a:r>
+            <a:endParaRPr lang="en-US" dirty="0"/>
           </a:p>
           <a:p>
             <a:pPr lvl="1"/>
@@ -4630,15 +4635,7 @@
             </a:r>
             <a:r>
               <a:rPr lang="en-US" dirty="0" smtClean="0"/>
-              <a:t>Users will be able to sort options by any of the </a:t>
-            </a:r>
-            <a:r>
-              <a:rPr lang="en-US" dirty="0" err="1" smtClean="0"/>
-              <a:t>nutrional</a:t>
-            </a:r>
-            <a:r>
-              <a:rPr lang="en-US" dirty="0" smtClean="0"/>
-              <a:t> informants, e.g. sort by fat content.</a:t>
+              <a:t>Users will be able to sort options by any of the nutritional informants, e.g. sort by fat content.</a:t>
             </a:r>
             <a:endParaRPr lang="en-US" b="1" dirty="0"/>
           </a:p>
